--- a/Project/FinalPres.pptx
+++ b/Project/FinalPres.pptx
@@ -164,6 +164,14 @@
 </p:cmAuthorLst>
 </file>
 
+<file path=ppt/revisionInfo.xml><?xml version="1.0" encoding="utf-8"?>
+<p1510:revInfo xmlns:a="http://schemas.openxmlformats.org/drawingml/2006/main" xmlns:r="http://schemas.openxmlformats.org/officeDocument/2006/relationships" xmlns:p1510="http://schemas.microsoft.com/office/powerpoint/2015/10/main">
+  <p1510:revLst>
+    <p1510:client id="{CA8FAB15-6499-4274-8782-9F0161146F8E}" v="20" dt="2024-05-07T13:37:08.013"/>
+  </p1510:revLst>
+</p1510:revInfo>
+</file>
+
 <file path=ppt/handoutMasters/handoutMaster1.xml><?xml version="1.0" encoding="utf-8"?>
 <p:handoutMaster xmlns:a="http://schemas.openxmlformats.org/drawingml/2006/main" xmlns:r="http://schemas.openxmlformats.org/officeDocument/2006/relationships" xmlns:p="http://schemas.openxmlformats.org/presentationml/2006/main">
   <p:cSld>
@@ -258,7 +266,7 @@
           <a:p>
             <a:fld id="{058ABBF3-49A8-4B3F-9773-22E67695BB12}" type="datetimeFigureOut">
               <a:rPr lang="en-US" smtClean="0"/>
-              <a:t>5/6/2024</a:t>
+              <a:t>5/7/2024</a:t>
             </a:fld>
             <a:endParaRPr lang="en-US" dirty="0"/>
           </a:p>
@@ -435,7 +443,7 @@
           <a:p>
             <a:fld id="{F44AAC2B-A50D-4386-849A-6B59FB991B4C}" type="datetimeFigureOut">
               <a:rPr lang="en-US" smtClean="0"/>
-              <a:t>5/6/2024</a:t>
+              <a:t>5/7/2024</a:t>
             </a:fld>
             <a:endParaRPr lang="en-US" dirty="0"/>
           </a:p>
@@ -20068,7 +20076,7 @@
           <a:noFill/>
         </p:spPr>
         <p:txBody>
-          <a:bodyPr wrap="square" rtlCol="0">
+          <a:bodyPr wrap="square" lIns="91440" tIns="45720" rIns="91440" bIns="45720" rtlCol="0" anchor="t">
             <a:spAutoFit/>
           </a:bodyPr>
           <a:lstStyle/>
@@ -20079,8 +20087,13 @@
                   <a:schemeClr val="tx2"/>
                 </a:solidFill>
               </a:rPr>
-              <a:t>By: Robert ‘Eddie’ Bull,</a:t>
+              <a:t>By: Robert ‘Eddie’ Bull, Thokozani Tembo</a:t>
             </a:r>
+            <a:endParaRPr lang="en-US" dirty="0">
+              <a:solidFill>
+                <a:schemeClr val="tx2"/>
+              </a:solidFill>
+            </a:endParaRPr>
           </a:p>
         </p:txBody>
       </p:sp>
@@ -20373,8 +20386,8 @@
           </a:p>
         </p:txBody>
       </p:sp>
-      <mc:AlternateContent xmlns:mc="http://schemas.openxmlformats.org/markup-compatibility/2006">
-        <mc:Choice xmlns:a14="http://schemas.microsoft.com/office/drawing/2010/main" Requires="a14">
+      <mc:AlternateContent xmlns:mc="http://schemas.openxmlformats.org/markup-compatibility/2006" xmlns:a14="http://schemas.microsoft.com/office/drawing/2010/main">
+        <mc:Choice Requires="a14">
           <p:sp>
             <p:nvSpPr>
               <p:cNvPr id="5" name="Content Placeholder 4">
@@ -20563,7 +20576,7 @@
             </p:txBody>
           </p:sp>
         </mc:Choice>
-        <mc:Fallback>
+        <mc:Fallback xmlns="">
           <p:sp>
             <p:nvSpPr>
               <p:cNvPr id="5" name="Content Placeholder 4">
@@ -25192,35 +25205,6 @@
 </file>
 
 <file path=customXml/item1.xml><?xml version="1.0" encoding="utf-8"?>
-<?mso-contentType ?>
-<FormTemplates xmlns="http://schemas.microsoft.com/sharepoint/v3/contenttype/forms">
-  <Display>DocumentLibraryForm</Display>
-  <Edit>DocumentLibraryForm</Edit>
-  <New>DocumentLibraryForm</New>
-</FormTemplates>
-</file>
-
-<file path=customXml/item2.xml><?xml version="1.0" encoding="utf-8"?>
-<p:properties xmlns:p="http://schemas.microsoft.com/office/2006/metadata/properties" xmlns:xsi="http://www.w3.org/2001/XMLSchema-instance" xmlns:pc="http://schemas.microsoft.com/office/infopath/2007/PartnerControls">
-  <documentManagement>
-    <Background xmlns="71af3243-3dd4-4a8d-8c0d-dd76da1f02a5">false</Background>
-    <Status xmlns="71af3243-3dd4-4a8d-8c0d-dd76da1f02a5">Not started</Status>
-    <_ip_UnifiedCompliancePolicyUIAction xmlns="http://schemas.microsoft.com/sharepoint/v3" xsi:nil="true"/>
-    <Image xmlns="71af3243-3dd4-4a8d-8c0d-dd76da1f02a5">
-      <Url xsi:nil="true"/>
-      <Description xsi:nil="true"/>
-    </Image>
-    <_ip_UnifiedCompliancePolicyProperties xmlns="http://schemas.microsoft.com/sharepoint/v3" xsi:nil="true"/>
-    <ImageTagsTaxHTField xmlns="71af3243-3dd4-4a8d-8c0d-dd76da1f02a5">
-      <Terms xmlns="http://schemas.microsoft.com/office/infopath/2007/PartnerControls"/>
-    </ImageTagsTaxHTField>
-    <TaxCatchAll xmlns="230e9df3-be65-4c73-a93b-d1236ebd677e" xsi:nil="true"/>
-    <MediaServiceKeyPoints xmlns="71af3243-3dd4-4a8d-8c0d-dd76da1f02a5" xsi:nil="true"/>
-  </documentManagement>
-</p:properties>
-</file>
-
-<file path=customXml/item3.xml><?xml version="1.0" encoding="utf-8"?>
 <ct:contentTypeSchema xmlns:ct="http://schemas.microsoft.com/office/2006/metadata/contentType" xmlns:ma="http://schemas.microsoft.com/office/2006/metadata/properties/metaAttributes" ct:_="" ma:_="" ma:contentTypeName="Document" ma:contentTypeID="0x01010079F111ED35F8CC479449609E8A0923A6" ma:contentTypeVersion="28" ma:contentTypeDescription="Create a new document." ma:contentTypeScope="" ma:versionID="60f5a4f2d2b0abadcf532d48ebf9cb71">
   <xsd:schema xmlns:xsd="http://www.w3.org/2001/XMLSchema" xmlns:xs="http://www.w3.org/2001/XMLSchema" xmlns:p="http://schemas.microsoft.com/office/2006/metadata/properties" xmlns:ns1="http://schemas.microsoft.com/sharepoint/v3" xmlns:ns2="71af3243-3dd4-4a8d-8c0d-dd76da1f02a5" xmlns:ns3="16c05727-aa75-4e4a-9b5f-8a80a1165891" xmlns:ns4="230e9df3-be65-4c73-a93b-d1236ebd677e" targetNamespace="http://schemas.microsoft.com/office/2006/metadata/properties" ma:root="true" ma:fieldsID="7dd78129e6a1811f84807ad11c651531" ns1:_="" ns2:_="" ns3:_="" ns4:_="">
     <xsd:import namespace="http://schemas.microsoft.com/sharepoint/v3"/>
@@ -25532,27 +25516,36 @@
 </ct:contentTypeSchema>
 </file>
 
-<file path=customXml/itemProps1.xml><?xml version="1.0" encoding="utf-8"?>
-<ds:datastoreItem xmlns:ds="http://schemas.openxmlformats.org/officeDocument/2006/customXml" ds:itemID="{8451406B-581B-4C29-A833-E33D8A6AB075}">
-  <ds:schemaRefs>
-    <ds:schemaRef ds:uri="http://schemas.microsoft.com/sharepoint/v3/contenttype/forms"/>
-  </ds:schemaRefs>
-</ds:datastoreItem>
+<file path=customXml/item2.xml><?xml version="1.0" encoding="utf-8"?>
+<p:properties xmlns:p="http://schemas.microsoft.com/office/2006/metadata/properties" xmlns:xsi="http://www.w3.org/2001/XMLSchema-instance" xmlns:pc="http://schemas.microsoft.com/office/infopath/2007/PartnerControls">
+  <documentManagement>
+    <Background xmlns="71af3243-3dd4-4a8d-8c0d-dd76da1f02a5">false</Background>
+    <Status xmlns="71af3243-3dd4-4a8d-8c0d-dd76da1f02a5">Not started</Status>
+    <_ip_UnifiedCompliancePolicyUIAction xmlns="http://schemas.microsoft.com/sharepoint/v3" xsi:nil="true"/>
+    <Image xmlns="71af3243-3dd4-4a8d-8c0d-dd76da1f02a5">
+      <Url xsi:nil="true"/>
+      <Description xsi:nil="true"/>
+    </Image>
+    <_ip_UnifiedCompliancePolicyProperties xmlns="http://schemas.microsoft.com/sharepoint/v3" xsi:nil="true"/>
+    <ImageTagsTaxHTField xmlns="71af3243-3dd4-4a8d-8c0d-dd76da1f02a5">
+      <Terms xmlns="http://schemas.microsoft.com/office/infopath/2007/PartnerControls"/>
+    </ImageTagsTaxHTField>
+    <TaxCatchAll xmlns="230e9df3-be65-4c73-a93b-d1236ebd677e" xsi:nil="true"/>
+    <MediaServiceKeyPoints xmlns="71af3243-3dd4-4a8d-8c0d-dd76da1f02a5" xsi:nil="true"/>
+  </documentManagement>
+</p:properties>
 </file>
 
-<file path=customXml/itemProps2.xml><?xml version="1.0" encoding="utf-8"?>
-<ds:datastoreItem xmlns:ds="http://schemas.openxmlformats.org/officeDocument/2006/customXml" ds:itemID="{0F65614A-92F9-4391-AC3D-F3F5B0704F99}">
-  <ds:schemaRefs>
-    <ds:schemaRef ds:uri="http://schemas.microsoft.com/office/2006/metadata/properties"/>
-    <ds:schemaRef ds:uri="http://schemas.microsoft.com/office/infopath/2007/PartnerControls"/>
-    <ds:schemaRef ds:uri="71af3243-3dd4-4a8d-8c0d-dd76da1f02a5"/>
-    <ds:schemaRef ds:uri="http://schemas.microsoft.com/sharepoint/v3"/>
-    <ds:schemaRef ds:uri="230e9df3-be65-4c73-a93b-d1236ebd677e"/>
-  </ds:schemaRefs>
-</ds:datastoreItem>
+<file path=customXml/item3.xml><?xml version="1.0" encoding="utf-8"?>
+<?mso-contentType ?>
+<FormTemplates xmlns="http://schemas.microsoft.com/sharepoint/v3/contenttype/forms">
+  <Display>DocumentLibraryForm</Display>
+  <Edit>DocumentLibraryForm</Edit>
+  <New>DocumentLibraryForm</New>
+</FormTemplates>
 </file>
 
-<file path=customXml/itemProps3.xml><?xml version="1.0" encoding="utf-8"?>
+<file path=customXml/itemProps1.xml><?xml version="1.0" encoding="utf-8"?>
 <ds:datastoreItem xmlns:ds="http://schemas.openxmlformats.org/officeDocument/2006/customXml" ds:itemID="{18903D25-5BE2-4D9E-B7D8-BE1DCAE2DC41}">
   <ds:schemaRefs>
     <ds:schemaRef ds:uri="http://schemas.microsoft.com/office/2006/metadata/contentType"/>
@@ -25573,6 +25566,26 @@
 </ds:datastoreItem>
 </file>
 
+<file path=customXml/itemProps2.xml><?xml version="1.0" encoding="utf-8"?>
+<ds:datastoreItem xmlns:ds="http://schemas.openxmlformats.org/officeDocument/2006/customXml" ds:itemID="{0F65614A-92F9-4391-AC3D-F3F5B0704F99}">
+  <ds:schemaRefs>
+    <ds:schemaRef ds:uri="http://schemas.microsoft.com/office/2006/metadata/properties"/>
+    <ds:schemaRef ds:uri="http://schemas.microsoft.com/office/infopath/2007/PartnerControls"/>
+    <ds:schemaRef ds:uri="71af3243-3dd4-4a8d-8c0d-dd76da1f02a5"/>
+    <ds:schemaRef ds:uri="http://schemas.microsoft.com/sharepoint/v3"/>
+    <ds:schemaRef ds:uri="230e9df3-be65-4c73-a93b-d1236ebd677e"/>
+  </ds:schemaRefs>
+</ds:datastoreItem>
+</file>
+
+<file path=customXml/itemProps3.xml><?xml version="1.0" encoding="utf-8"?>
+<ds:datastoreItem xmlns:ds="http://schemas.openxmlformats.org/officeDocument/2006/customXml" ds:itemID="{8451406B-581B-4C29-A833-E33D8A6AB075}">
+  <ds:schemaRefs>
+    <ds:schemaRef ds:uri="http://schemas.microsoft.com/sharepoint/v3/contenttype/forms"/>
+  </ds:schemaRefs>
+</ds:datastoreItem>
+</file>
+
 <file path=docMetadata/LabelInfo.xml><?xml version="1.0" encoding="utf-8"?>
 <clbl:labelList xmlns:clbl="http://schemas.microsoft.com/office/2020/mipLabelMetadata"/>
 </file>